--- a/Poster & PowerPoint/201918010201_PPT.pptx
+++ b/Poster & PowerPoint/201918010201_PPT.pptx
@@ -7062,9 +7062,9 @@
         <p:grpSpPr>
           <a:xfrm>
             <a:off x="503555" y="1233805"/>
-            <a:ext cx="5441950" cy="2851150"/>
+            <a:ext cx="5441950" cy="2857500"/>
             <a:chOff x="1059" y="1672"/>
-            <a:chExt cx="8570" cy="4490"/>
+            <a:chExt cx="8570" cy="4500"/>
           </a:xfrm>
         </p:grpSpPr>
         <p:sp>
@@ -7177,7 +7177,7 @@
           </p:nvSpPr>
           <p:spPr>
             <a:xfrm>
-              <a:off x="1437" y="2447"/>
+              <a:off x="1437" y="4055"/>
               <a:ext cx="3392" cy="2107"/>
             </a:xfrm>
             <a:prstGeom prst="rect">
@@ -7267,7 +7267,7 @@
           </p:nvSpPr>
           <p:spPr>
             <a:xfrm>
-              <a:off x="1438" y="4603"/>
+              <a:off x="1438" y="2554"/>
               <a:ext cx="3392" cy="1452"/>
             </a:xfrm>
             <a:prstGeom prst="rect">
@@ -7335,7 +7335,7 @@
           </p:nvSpPr>
           <p:spPr>
             <a:xfrm>
-              <a:off x="5412" y="2457"/>
+              <a:off x="5412" y="4065"/>
               <a:ext cx="3738" cy="2107"/>
             </a:xfrm>
             <a:prstGeom prst="rect">
@@ -7425,7 +7425,7 @@
           </p:nvSpPr>
           <p:spPr>
             <a:xfrm>
-              <a:off x="5412" y="4564"/>
+              <a:off x="5412" y="2515"/>
               <a:ext cx="3738" cy="1452"/>
             </a:xfrm>
             <a:prstGeom prst="rect">
